--- a/Presentation/RedXParking.pptx
+++ b/Presentation/RedXParking.pptx
@@ -111,6 +111,11 @@
       </a:defRPr>
     </a:lvl9pPr>
   </p:defaultTextStyle>
+  <p:extLst>
+    <p:ext uri="{EFAFB233-063F-42B5-8137-9DF3F51BA10A}">
+      <p15:sldGuideLst xmlns:p15="http://schemas.microsoft.com/office/powerpoint/2012/main"/>
+    </p:ext>
+  </p:extLst>
 </p:presentation>
 </file>
 
@@ -6594,7 +6599,7 @@
         <p:spPr/>
         <p:txBody>
           <a:bodyPr>
-            <a:normAutofit lnSpcReduction="10000"/>
+            <a:normAutofit fontScale="92500" lnSpcReduction="20000"/>
           </a:bodyPr>
           <a:lstStyle/>
           <a:p>
@@ -6628,6 +6633,17 @@
             <a:r>
               <a:rPr lang="en-GB" dirty="0"/>
               <a:t>Arduino IDE – Implementation for PIR Sensor to work is compiled in the Sketch and uploaded to the board.</a:t>
+            </a:r>
+          </a:p>
+          <a:p>
+            <a:pPr lvl="1"/>
+            <a:r>
+              <a:rPr lang="en-GB" dirty="0" err="1"/>
+              <a:t>AtmelStudio</a:t>
+            </a:r>
+            <a:r>
+              <a:rPr lang="en-GB" dirty="0"/>
+              <a:t> – Program the AtMega328p without Arduino interface</a:t>
             </a:r>
           </a:p>
           <a:p>
@@ -7174,76 +7190,16 @@
         <a:srgbClr val="82B6F4"/>
       </a:folHlink>
     </a:clrScheme>
-    <a:fontScheme name="Parallax">
+    <a:fontScheme name="Custom 2">
       <a:majorFont>
-        <a:latin typeface="Corbel" panose="020B0503020204020204"/>
+        <a:latin typeface="Calibri"/>
         <a:ea typeface=""/>
         <a:cs typeface=""/>
-        <a:font script="Jpan" typeface="HGｺﾞｼｯｸM"/>
-        <a:font script="Hang" typeface="HY엽서L"/>
-        <a:font script="Hans" typeface="华文楷体"/>
-        <a:font script="Hant" typeface="新細明體"/>
-        <a:font script="Arab" typeface="Tahoma"/>
-        <a:font script="Hebr" typeface="Miriam"/>
-        <a:font script="Thai" typeface="DilleniaUPC"/>
-        <a:font script="Ethi" typeface="Nyala"/>
-        <a:font script="Beng" typeface="Vrinda"/>
-        <a:font script="Gujr" typeface="Shruti"/>
-        <a:font script="Khmr" typeface="DaunPenh"/>
-        <a:font script="Knda" typeface="Tunga"/>
-        <a:font script="Guru" typeface="Raavi"/>
-        <a:font script="Cans" typeface="Euphemia"/>
-        <a:font script="Cher" typeface="Plantagenet Cherokee"/>
-        <a:font script="Yiii" typeface="Microsoft Yi Baiti"/>
-        <a:font script="Tibt" typeface="Microsoft Himalaya"/>
-        <a:font script="Thaa" typeface="MV Boli"/>
-        <a:font script="Deva" typeface="Mangal"/>
-        <a:font script="Telu" typeface="Gautami"/>
-        <a:font script="Taml" typeface="Latha"/>
-        <a:font script="Syrc" typeface="Estrangelo Edessa"/>
-        <a:font script="Orya" typeface="Kalinga"/>
-        <a:font script="Mlym" typeface="Kartika"/>
-        <a:font script="Laoo" typeface="DokChampa"/>
-        <a:font script="Sinh" typeface="Iskoola Pota"/>
-        <a:font script="Mong" typeface="Mongolian Baiti"/>
-        <a:font script="Viet" typeface="Arial"/>
-        <a:font script="Uigh" typeface="Microsoft Uighur"/>
-        <a:font script="Geor" typeface="Sylfaen"/>
       </a:majorFont>
       <a:minorFont>
-        <a:latin typeface="Corbel" panose="020B0503020204020204"/>
+        <a:latin typeface="Microsoft New Tai Lue"/>
         <a:ea typeface=""/>
         <a:cs typeface=""/>
-        <a:font script="Jpan" typeface="HGｺﾞｼｯｸM"/>
-        <a:font script="Hang" typeface="HY엽서L"/>
-        <a:font script="Hans" typeface="华文楷体"/>
-        <a:font script="Hant" typeface="新細明體"/>
-        <a:font script="Arab" typeface="Tahoma"/>
-        <a:font script="Hebr" typeface="Miriam"/>
-        <a:font script="Thai" typeface="DilleniaUPC"/>
-        <a:font script="Ethi" typeface="Nyala"/>
-        <a:font script="Beng" typeface="Vrinda"/>
-        <a:font script="Gujr" typeface="Shruti"/>
-        <a:font script="Khmr" typeface="DaunPenh"/>
-        <a:font script="Knda" typeface="Tunga"/>
-        <a:font script="Guru" typeface="Raavi"/>
-        <a:font script="Cans" typeface="Euphemia"/>
-        <a:font script="Cher" typeface="Plantagenet Cherokee"/>
-        <a:font script="Yiii" typeface="Microsoft Yi Baiti"/>
-        <a:font script="Tibt" typeface="Microsoft Himalaya"/>
-        <a:font script="Thaa" typeface="MV Boli"/>
-        <a:font script="Deva" typeface="Mangal"/>
-        <a:font script="Telu" typeface="Gautami"/>
-        <a:font script="Taml" typeface="Latha"/>
-        <a:font script="Syrc" typeface="Estrangelo Edessa"/>
-        <a:font script="Orya" typeface="Kalinga"/>
-        <a:font script="Mlym" typeface="Kartika"/>
-        <a:font script="Laoo" typeface="DokChampa"/>
-        <a:font script="Sinh" typeface="Iskoola Pota"/>
-        <a:font script="Mong" typeface="Mongolian Baiti"/>
-        <a:font script="Viet" typeface="Arial"/>
-        <a:font script="Uigh" typeface="Microsoft Uighur"/>
-        <a:font script="Geor" typeface="Sylfaen"/>
       </a:minorFont>
     </a:fontScheme>
     <a:fmtScheme name="Parallax">
